--- a/files/Session_8_Ibrahim3zazy/Tasks/Searches/self join.pptx
+++ b/files/Session_8_Ibrahim3zazy/Tasks/Searches/self join.pptx
@@ -106,6 +106,11 @@
       </a:defRPr>
     </a:lvl9pPr>
   </p:defaultTextStyle>
+  <p:extLst>
+    <p:ext uri="{EFAFB233-063F-42B5-8137-9DF3F51BA10A}">
+      <p15:sldGuideLst xmlns:p15="http://schemas.microsoft.com/office/powerpoint/2012/main"/>
+    </p:ext>
+  </p:extLst>
 </p:presentation>
 </file>
 
@@ -256,7 +261,7 @@
           <a:p>
             <a:fld id="{A85EE0F3-F092-427D-A36C-2DB87EBD6FA5}" type="datetimeFigureOut">
               <a:rPr lang="en-US" smtClean="0"/>
-              <a:t>2024-04-06</a:t>
+              <a:t>2024-04-12</a:t>
             </a:fld>
             <a:endParaRPr lang="en-US"/>
           </a:p>
@@ -326,13 +331,13 @@
   <p:clrMapOvr>
     <a:masterClrMapping/>
   </p:clrMapOvr>
-  <mc:AlternateContent xmlns:mc="http://schemas.openxmlformats.org/markup-compatibility/2006">
-    <mc:Choice xmlns:p14="http://schemas.microsoft.com/office/powerpoint/2010/main" Requires="p14">
+  <mc:AlternateContent xmlns:mc="http://schemas.openxmlformats.org/markup-compatibility/2006" xmlns:p14="http://schemas.microsoft.com/office/powerpoint/2010/main">
+    <mc:Choice Requires="p14">
       <p:transition spd="slow" p14:dur="1500">
         <p:random/>
       </p:transition>
     </mc:Choice>
-    <mc:Fallback>
+    <mc:Fallback xmlns="">
       <p:transition spd="slow">
         <p:random/>
       </p:transition>
@@ -466,7 +471,7 @@
           <a:p>
             <a:fld id="{A85EE0F3-F092-427D-A36C-2DB87EBD6FA5}" type="datetimeFigureOut">
               <a:rPr lang="en-US" smtClean="0"/>
-              <a:t>2024-04-06</a:t>
+              <a:t>2024-04-12</a:t>
             </a:fld>
             <a:endParaRPr lang="en-US"/>
           </a:p>
@@ -536,13 +541,13 @@
   <p:clrMapOvr>
     <a:masterClrMapping/>
   </p:clrMapOvr>
-  <mc:AlternateContent xmlns:mc="http://schemas.openxmlformats.org/markup-compatibility/2006">
-    <mc:Choice xmlns:p14="http://schemas.microsoft.com/office/powerpoint/2010/main" Requires="p14">
+  <mc:AlternateContent xmlns:mc="http://schemas.openxmlformats.org/markup-compatibility/2006" xmlns:p14="http://schemas.microsoft.com/office/powerpoint/2010/main">
+    <mc:Choice Requires="p14">
       <p:transition spd="slow" p14:dur="1500">
         <p:random/>
       </p:transition>
     </mc:Choice>
-    <mc:Fallback>
+    <mc:Fallback xmlns="">
       <p:transition spd="slow">
         <p:random/>
       </p:transition>
@@ -686,7 +691,7 @@
           <a:p>
             <a:fld id="{A85EE0F3-F092-427D-A36C-2DB87EBD6FA5}" type="datetimeFigureOut">
               <a:rPr lang="en-US" smtClean="0"/>
-              <a:t>2024-04-06</a:t>
+              <a:t>2024-04-12</a:t>
             </a:fld>
             <a:endParaRPr lang="en-US"/>
           </a:p>
@@ -756,13 +761,13 @@
   <p:clrMapOvr>
     <a:masterClrMapping/>
   </p:clrMapOvr>
-  <mc:AlternateContent xmlns:mc="http://schemas.openxmlformats.org/markup-compatibility/2006">
-    <mc:Choice xmlns:p14="http://schemas.microsoft.com/office/powerpoint/2010/main" Requires="p14">
+  <mc:AlternateContent xmlns:mc="http://schemas.openxmlformats.org/markup-compatibility/2006" xmlns:p14="http://schemas.microsoft.com/office/powerpoint/2010/main">
+    <mc:Choice Requires="p14">
       <p:transition spd="slow" p14:dur="1500">
         <p:random/>
       </p:transition>
     </mc:Choice>
-    <mc:Fallback>
+    <mc:Fallback xmlns="">
       <p:transition spd="slow">
         <p:random/>
       </p:transition>
@@ -896,7 +901,7 @@
           <a:p>
             <a:fld id="{A85EE0F3-F092-427D-A36C-2DB87EBD6FA5}" type="datetimeFigureOut">
               <a:rPr lang="en-US" smtClean="0"/>
-              <a:t>2024-04-06</a:t>
+              <a:t>2024-04-12</a:t>
             </a:fld>
             <a:endParaRPr lang="en-US"/>
           </a:p>
@@ -966,13 +971,13 @@
   <p:clrMapOvr>
     <a:masterClrMapping/>
   </p:clrMapOvr>
-  <mc:AlternateContent xmlns:mc="http://schemas.openxmlformats.org/markup-compatibility/2006">
-    <mc:Choice xmlns:p14="http://schemas.microsoft.com/office/powerpoint/2010/main" Requires="p14">
+  <mc:AlternateContent xmlns:mc="http://schemas.openxmlformats.org/markup-compatibility/2006" xmlns:p14="http://schemas.microsoft.com/office/powerpoint/2010/main">
+    <mc:Choice Requires="p14">
       <p:transition spd="slow" p14:dur="1500">
         <p:random/>
       </p:transition>
     </mc:Choice>
-    <mc:Fallback>
+    <mc:Fallback xmlns="">
       <p:transition spd="slow">
         <p:random/>
       </p:transition>
@@ -1183,7 +1188,7 @@
           <a:p>
             <a:fld id="{A85EE0F3-F092-427D-A36C-2DB87EBD6FA5}" type="datetimeFigureOut">
               <a:rPr lang="en-US" smtClean="0"/>
-              <a:t>2024-04-06</a:t>
+              <a:t>2024-04-12</a:t>
             </a:fld>
             <a:endParaRPr lang="en-US"/>
           </a:p>
@@ -1253,13 +1258,13 @@
   <p:clrMapOvr>
     <a:masterClrMapping/>
   </p:clrMapOvr>
-  <mc:AlternateContent xmlns:mc="http://schemas.openxmlformats.org/markup-compatibility/2006">
-    <mc:Choice xmlns:p14="http://schemas.microsoft.com/office/powerpoint/2010/main" Requires="p14">
+  <mc:AlternateContent xmlns:mc="http://schemas.openxmlformats.org/markup-compatibility/2006" xmlns:p14="http://schemas.microsoft.com/office/powerpoint/2010/main">
+    <mc:Choice Requires="p14">
       <p:transition spd="slow" p14:dur="1500">
         <p:random/>
       </p:transition>
     </mc:Choice>
-    <mc:Fallback>
+    <mc:Fallback xmlns="">
       <p:transition spd="slow">
         <p:random/>
       </p:transition>
@@ -1460,7 +1465,7 @@
           <a:p>
             <a:fld id="{A85EE0F3-F092-427D-A36C-2DB87EBD6FA5}" type="datetimeFigureOut">
               <a:rPr lang="en-US" smtClean="0"/>
-              <a:t>2024-04-06</a:t>
+              <a:t>2024-04-12</a:t>
             </a:fld>
             <a:endParaRPr lang="en-US"/>
           </a:p>
@@ -1530,13 +1535,13 @@
   <p:clrMapOvr>
     <a:masterClrMapping/>
   </p:clrMapOvr>
-  <mc:AlternateContent xmlns:mc="http://schemas.openxmlformats.org/markup-compatibility/2006">
-    <mc:Choice xmlns:p14="http://schemas.microsoft.com/office/powerpoint/2010/main" Requires="p14">
+  <mc:AlternateContent xmlns:mc="http://schemas.openxmlformats.org/markup-compatibility/2006" xmlns:p14="http://schemas.microsoft.com/office/powerpoint/2010/main">
+    <mc:Choice Requires="p14">
       <p:transition spd="slow" p14:dur="1500">
         <p:random/>
       </p:transition>
     </mc:Choice>
-    <mc:Fallback>
+    <mc:Fallback xmlns="">
       <p:transition spd="slow">
         <p:random/>
       </p:transition>
@@ -1884,7 +1889,7 @@
           <a:p>
             <a:fld id="{A85EE0F3-F092-427D-A36C-2DB87EBD6FA5}" type="datetimeFigureOut">
               <a:rPr lang="en-US" smtClean="0"/>
-              <a:t>2024-04-06</a:t>
+              <a:t>2024-04-12</a:t>
             </a:fld>
             <a:endParaRPr lang="en-US"/>
           </a:p>
@@ -1954,13 +1959,13 @@
   <p:clrMapOvr>
     <a:masterClrMapping/>
   </p:clrMapOvr>
-  <mc:AlternateContent xmlns:mc="http://schemas.openxmlformats.org/markup-compatibility/2006">
-    <mc:Choice xmlns:p14="http://schemas.microsoft.com/office/powerpoint/2010/main" Requires="p14">
+  <mc:AlternateContent xmlns:mc="http://schemas.openxmlformats.org/markup-compatibility/2006" xmlns:p14="http://schemas.microsoft.com/office/powerpoint/2010/main">
+    <mc:Choice Requires="p14">
       <p:transition spd="slow" p14:dur="1500">
         <p:random/>
       </p:transition>
     </mc:Choice>
-    <mc:Fallback>
+    <mc:Fallback xmlns="">
       <p:transition spd="slow">
         <p:random/>
       </p:transition>
@@ -2037,7 +2042,7 @@
           <a:p>
             <a:fld id="{A85EE0F3-F092-427D-A36C-2DB87EBD6FA5}" type="datetimeFigureOut">
               <a:rPr lang="en-US" smtClean="0"/>
-              <a:t>2024-04-06</a:t>
+              <a:t>2024-04-12</a:t>
             </a:fld>
             <a:endParaRPr lang="en-US"/>
           </a:p>
@@ -2107,13 +2112,13 @@
   <p:clrMapOvr>
     <a:masterClrMapping/>
   </p:clrMapOvr>
-  <mc:AlternateContent xmlns:mc="http://schemas.openxmlformats.org/markup-compatibility/2006">
-    <mc:Choice xmlns:p14="http://schemas.microsoft.com/office/powerpoint/2010/main" Requires="p14">
+  <mc:AlternateContent xmlns:mc="http://schemas.openxmlformats.org/markup-compatibility/2006" xmlns:p14="http://schemas.microsoft.com/office/powerpoint/2010/main">
+    <mc:Choice Requires="p14">
       <p:transition spd="slow" p14:dur="1500">
         <p:random/>
       </p:transition>
     </mc:Choice>
-    <mc:Fallback>
+    <mc:Fallback xmlns="">
       <p:transition spd="slow">
         <p:random/>
       </p:transition>
@@ -2162,7 +2167,7 @@
           <a:p>
             <a:fld id="{A85EE0F3-F092-427D-A36C-2DB87EBD6FA5}" type="datetimeFigureOut">
               <a:rPr lang="en-US" smtClean="0"/>
-              <a:t>2024-04-06</a:t>
+              <a:t>2024-04-12</a:t>
             </a:fld>
             <a:endParaRPr lang="en-US"/>
           </a:p>
@@ -2232,13 +2237,13 @@
   <p:clrMapOvr>
     <a:masterClrMapping/>
   </p:clrMapOvr>
-  <mc:AlternateContent xmlns:mc="http://schemas.openxmlformats.org/markup-compatibility/2006">
-    <mc:Choice xmlns:p14="http://schemas.microsoft.com/office/powerpoint/2010/main" Requires="p14">
+  <mc:AlternateContent xmlns:mc="http://schemas.openxmlformats.org/markup-compatibility/2006" xmlns:p14="http://schemas.microsoft.com/office/powerpoint/2010/main">
+    <mc:Choice Requires="p14">
       <p:transition spd="slow" p14:dur="1500">
         <p:random/>
       </p:transition>
     </mc:Choice>
-    <mc:Fallback>
+    <mc:Fallback xmlns="">
       <p:transition spd="slow">
         <p:random/>
       </p:transition>
@@ -2485,7 +2490,7 @@
           <a:p>
             <a:fld id="{A85EE0F3-F092-427D-A36C-2DB87EBD6FA5}" type="datetimeFigureOut">
               <a:rPr lang="en-US" smtClean="0"/>
-              <a:t>2024-04-06</a:t>
+              <a:t>2024-04-12</a:t>
             </a:fld>
             <a:endParaRPr lang="en-US"/>
           </a:p>
@@ -2555,13 +2560,13 @@
   <p:clrMapOvr>
     <a:masterClrMapping/>
   </p:clrMapOvr>
-  <mc:AlternateContent xmlns:mc="http://schemas.openxmlformats.org/markup-compatibility/2006">
-    <mc:Choice xmlns:p14="http://schemas.microsoft.com/office/powerpoint/2010/main" Requires="p14">
+  <mc:AlternateContent xmlns:mc="http://schemas.openxmlformats.org/markup-compatibility/2006" xmlns:p14="http://schemas.microsoft.com/office/powerpoint/2010/main">
+    <mc:Choice Requires="p14">
       <p:transition spd="slow" p14:dur="1500">
         <p:random/>
       </p:transition>
     </mc:Choice>
-    <mc:Fallback>
+    <mc:Fallback xmlns="">
       <p:transition spd="slow">
         <p:random/>
       </p:transition>
@@ -2785,7 +2790,7 @@
           <a:p>
             <a:fld id="{A85EE0F3-F092-427D-A36C-2DB87EBD6FA5}" type="datetimeFigureOut">
               <a:rPr lang="en-US" smtClean="0"/>
-              <a:t>2024-04-06</a:t>
+              <a:t>2024-04-12</a:t>
             </a:fld>
             <a:endParaRPr lang="en-US"/>
           </a:p>
@@ -2855,13 +2860,13 @@
   <p:clrMapOvr>
     <a:masterClrMapping/>
   </p:clrMapOvr>
-  <mc:AlternateContent xmlns:mc="http://schemas.openxmlformats.org/markup-compatibility/2006">
-    <mc:Choice xmlns:p14="http://schemas.microsoft.com/office/powerpoint/2010/main" Requires="p14">
+  <mc:AlternateContent xmlns:mc="http://schemas.openxmlformats.org/markup-compatibility/2006" xmlns:p14="http://schemas.microsoft.com/office/powerpoint/2010/main">
+    <mc:Choice Requires="p14">
       <p:transition spd="slow" p14:dur="1500">
         <p:random/>
       </p:transition>
     </mc:Choice>
-    <mc:Fallback>
+    <mc:Fallback xmlns="">
       <p:transition spd="slow">
         <p:random/>
       </p:transition>
@@ -3038,7 +3043,7 @@
           <a:p>
             <a:fld id="{A85EE0F3-F092-427D-A36C-2DB87EBD6FA5}" type="datetimeFigureOut">
               <a:rPr lang="en-US" smtClean="0"/>
-              <a:t>2024-04-06</a:t>
+              <a:t>2024-04-12</a:t>
             </a:fld>
             <a:endParaRPr lang="en-US"/>
           </a:p>
@@ -3155,13 +3160,13 @@
     <p:sldLayoutId id="2147483658" r:id="rId10"/>
     <p:sldLayoutId id="2147483659" r:id="rId11"/>
   </p:sldLayoutIdLst>
-  <mc:AlternateContent xmlns:mc="http://schemas.openxmlformats.org/markup-compatibility/2006">
-    <mc:Choice xmlns:p14="http://schemas.microsoft.com/office/powerpoint/2010/main" Requires="p14">
+  <mc:AlternateContent xmlns:mc="http://schemas.openxmlformats.org/markup-compatibility/2006" xmlns:p14="http://schemas.microsoft.com/office/powerpoint/2010/main">
+    <mc:Choice Requires="p14">
       <p:transition spd="slow" p14:dur="1500">
         <p:random/>
       </p:transition>
     </mc:Choice>
-    <mc:Fallback>
+    <mc:Fallback xmlns="">
       <p:transition spd="slow">
         <p:random/>
       </p:transition>
@@ -3497,7 +3502,7 @@
           <a:p>
             <a:r>
               <a:rPr lang="en-US" dirty="0"/>
-              <a:t>authorization vs authentication</a:t>
+              <a:t>self join</a:t>
             </a:r>
           </a:p>
         </p:txBody>
@@ -3512,13 +3517,13 @@
   <p:clrMapOvr>
     <a:masterClrMapping/>
   </p:clrMapOvr>
-  <mc:AlternateContent xmlns:mc="http://schemas.openxmlformats.org/markup-compatibility/2006">
-    <mc:Choice xmlns:p14="http://schemas.microsoft.com/office/powerpoint/2010/main" Requires="p14">
+  <mc:AlternateContent xmlns:mc="http://schemas.openxmlformats.org/markup-compatibility/2006" xmlns:p14="http://schemas.microsoft.com/office/powerpoint/2010/main">
+    <mc:Choice Requires="p14">
       <p:transition spd="slow" p14:dur="1500">
         <p:random/>
       </p:transition>
     </mc:Choice>
-    <mc:Fallback>
+    <mc:Fallback xmlns="">
       <p:transition spd="slow">
         <p:random/>
       </p:transition>
@@ -3546,446 +3551,84 @@
       </p:grpSpPr>
       <p:sp>
         <p:nvSpPr>
-          <p:cNvPr id="4" name="Text Placeholder 3">
-            <a:extLst>
-              <a:ext uri="{FF2B5EF4-FFF2-40B4-BE49-F238E27FC236}">
-                <a16:creationId xmlns:a16="http://schemas.microsoft.com/office/drawing/2014/main" id="{19EA41DC-0F90-D6DF-57AC-870A858287CF}"/>
-              </a:ext>
-            </a:extLst>
-          </p:cNvPr>
-          <p:cNvSpPr>
-            <a:spLocks noGrp="1"/>
-          </p:cNvSpPr>
-          <p:nvPr>
-            <p:ph type="body" idx="1"/>
+          <p:cNvPr id="8" name="Content Placeholder 7">
+            <a:extLst>
+              <a:ext uri="{FF2B5EF4-FFF2-40B4-BE49-F238E27FC236}">
+                <a16:creationId xmlns:a16="http://schemas.microsoft.com/office/drawing/2014/main" id="{4C3DAF08-E892-0E1D-0726-E2EE4027F7E7}"/>
+              </a:ext>
+            </a:extLst>
+          </p:cNvPr>
+          <p:cNvSpPr>
+            <a:spLocks noGrp="1"/>
+          </p:cNvSpPr>
+          <p:nvPr>
+            <p:ph idx="1"/>
           </p:nvPr>
         </p:nvSpPr>
         <p:spPr>
           <a:xfrm>
-            <a:off x="938213" y="256381"/>
-            <a:ext cx="5157787" cy="823912"/>
+            <a:off x="838200" y="389106"/>
+            <a:ext cx="10515600" cy="5787857"/>
           </a:xfrm>
         </p:spPr>
         <p:txBody>
           <a:bodyPr/>
           <a:lstStyle/>
           <a:p>
+            <a:pPr algn="r" rtl="1"/>
+            <a:r>
+              <a:rPr lang="ar-EG" dirty="0"/>
+              <a:t>هو زي أي جوين بس الفرق انه بـ </a:t>
+            </a:r>
             <a:r>
               <a:rPr lang="en-US" dirty="0"/>
-              <a:t>authentication</a:t>
-            </a:r>
-          </a:p>
-        </p:txBody>
-      </p:sp>
-      <p:sp>
-        <p:nvSpPr>
-          <p:cNvPr id="5" name="Content Placeholder 4">
-            <a:extLst>
-              <a:ext uri="{FF2B5EF4-FFF2-40B4-BE49-F238E27FC236}">
-                <a16:creationId xmlns:a16="http://schemas.microsoft.com/office/drawing/2014/main" id="{4DC6DEBE-4574-62C4-81D3-2EB59F9D861C}"/>
-              </a:ext>
-            </a:extLst>
-          </p:cNvPr>
-          <p:cNvSpPr>
-            <a:spLocks noGrp="1"/>
-          </p:cNvSpPr>
-          <p:nvPr>
-            <p:ph sz="half" idx="2"/>
-          </p:nvPr>
-        </p:nvSpPr>
-        <p:spPr>
-          <a:xfrm>
-            <a:off x="651754" y="1080293"/>
-            <a:ext cx="5345822" cy="5109370"/>
-          </a:xfrm>
-        </p:spPr>
-        <p:txBody>
-          <a:bodyPr>
-            <a:normAutofit fontScale="85000" lnSpcReduction="20000"/>
-          </a:bodyPr>
-          <a:lstStyle/>
-          <a:p>
-            <a:pPr algn="r" rtl="1"/>
-            <a:r>
-              <a:rPr lang="ar-EG" dirty="0" err="1"/>
-              <a:t>بإختصار</a:t>
+              <a:t>join</a:t>
             </a:r>
             <a:r>
               <a:rPr lang="ar-EG" dirty="0"/>
-              <a:t> أكني بقول للمستخدم انت مين ففيه انا بتحقق من المستخدم دا إذا كان من ضمن السيستم </a:t>
-            </a:r>
-            <a:r>
-              <a:rPr lang="ar-EG" dirty="0" err="1"/>
-              <a:t>بتاعي</a:t>
-            </a:r>
-            <a:r>
-              <a:rPr lang="ar-EG" dirty="0"/>
-              <a:t> او لا </a:t>
-            </a:r>
-          </a:p>
-          <a:p>
-            <a:pPr algn="r" rtl="1"/>
-            <a:r>
-              <a:rPr lang="ar-EG" dirty="0"/>
-              <a:t>في </a:t>
-            </a:r>
-            <a:r>
-              <a:rPr lang="ar-EG" dirty="0" err="1"/>
-              <a:t>العاده</a:t>
-            </a:r>
-            <a:r>
-              <a:rPr lang="ar-EG" dirty="0"/>
-              <a:t> </a:t>
-            </a:r>
-            <a:r>
-              <a:rPr lang="ar-EG" dirty="0" err="1"/>
-              <a:t>بتحصل</a:t>
-            </a:r>
-            <a:r>
-              <a:rPr lang="ar-EG" dirty="0"/>
-              <a:t> قبل عملية </a:t>
-            </a:r>
-            <a:r>
-              <a:rPr lang="en-US" sz="2000" dirty="0"/>
-              <a:t>authorization</a:t>
-            </a:r>
-            <a:endParaRPr lang="ar-EG" sz="2000" dirty="0"/>
-          </a:p>
-          <a:p>
-            <a:pPr algn="r" rtl="1"/>
-            <a:r>
-              <a:rPr lang="ar-EG" dirty="0"/>
-              <a:t>في </a:t>
-            </a:r>
-            <a:r>
-              <a:rPr lang="ar-EG" dirty="0" err="1"/>
-              <a:t>العاده</a:t>
-            </a:r>
-            <a:r>
-              <a:rPr lang="ar-EG" dirty="0"/>
-              <a:t> </a:t>
-            </a:r>
-            <a:r>
-              <a:rPr lang="ar-EG" dirty="0" err="1"/>
-              <a:t>بحتاج</a:t>
-            </a:r>
-            <a:r>
-              <a:rPr lang="ar-EG" dirty="0"/>
-              <a:t> فيها معلومات تسجيل الدخول </a:t>
-            </a:r>
-            <a:r>
-              <a:rPr lang="ar-EG" dirty="0" err="1"/>
-              <a:t>الخاصه</a:t>
-            </a:r>
-            <a:r>
-              <a:rPr lang="ar-EG" dirty="0"/>
-              <a:t> بالمستخدم علشان اتحقق منه</a:t>
-            </a:r>
-          </a:p>
-          <a:p>
-            <a:pPr algn="r" rtl="1"/>
-            <a:r>
-              <a:rPr lang="ar-EG" dirty="0"/>
-              <a:t>ممكن اغير في المعلومات </a:t>
-            </a:r>
-            <a:r>
-              <a:rPr lang="ar-EG" dirty="0" err="1"/>
-              <a:t>الخاصه</a:t>
-            </a:r>
-            <a:r>
-              <a:rPr lang="ar-EG" dirty="0"/>
-              <a:t> </a:t>
-            </a:r>
-            <a:r>
-              <a:rPr lang="ar-EG" dirty="0" err="1"/>
-              <a:t>بيا</a:t>
-            </a:r>
-            <a:r>
-              <a:rPr lang="ar-EG" dirty="0"/>
-              <a:t> كمستخدم عادي او اطلب تغييرها عموما</a:t>
-            </a:r>
-          </a:p>
-          <a:p>
-            <a:pPr algn="r" rtl="1"/>
-            <a:r>
-              <a:rPr lang="ar-EG" dirty="0"/>
-              <a:t>ممكن اشوف </a:t>
-            </a:r>
-            <a:r>
-              <a:rPr lang="ar-EG" dirty="0" err="1"/>
-              <a:t>العمليه</a:t>
-            </a:r>
-            <a:r>
-              <a:rPr lang="ar-EG" dirty="0"/>
-              <a:t> دي بحيث اقدر اطلع على المعلومات </a:t>
-            </a:r>
-            <a:r>
-              <a:rPr lang="ar-EG" dirty="0" err="1"/>
-              <a:t>بتاعتي</a:t>
-            </a:r>
-            <a:endParaRPr lang="ar-EG" dirty="0"/>
-          </a:p>
-          <a:p>
-            <a:pPr algn="r" rtl="1"/>
-            <a:r>
-              <a:rPr lang="ar-EG" b="1" dirty="0" err="1"/>
-              <a:t>نيجي</a:t>
-            </a:r>
-            <a:r>
-              <a:rPr lang="ar-EG" b="1" dirty="0"/>
-              <a:t> للمثال بقاا:</a:t>
+              <a:t> مع نفسه مع الجدول نفسه يعني</a:t>
             </a:r>
             <a:br>
               <a:rPr lang="ar-EG" dirty="0"/>
             </a:br>
             <a:r>
               <a:rPr lang="ar-EG" dirty="0"/>
-              <a:t>بطلب من الموظفين مثلا انهم يعملوا تسجيل دخول فبالتالي يحصل عملية </a:t>
-            </a:r>
-            <a:r>
-              <a:rPr lang="ar-EG" dirty="0" err="1"/>
-              <a:t>المصادقه</a:t>
-            </a:r>
-            <a:r>
-              <a:rPr lang="ar-EG" dirty="0"/>
-              <a:t> </a:t>
-            </a:r>
-            <a:r>
-              <a:rPr lang="ar-EG" dirty="0" err="1"/>
-              <a:t>بتاعتنا</a:t>
-            </a:r>
-            <a:r>
-              <a:rPr lang="ar-EG" dirty="0"/>
-              <a:t> لو المعلومات اللي داخلها صحيحه من اسم المستخدم لكلمة المرور مثلا او بصمة الصباع وهكذا</a:t>
-            </a:r>
-          </a:p>
-        </p:txBody>
-      </p:sp>
-      <p:sp>
-        <p:nvSpPr>
-          <p:cNvPr id="6" name="Text Placeholder 5">
-            <a:extLst>
-              <a:ext uri="{FF2B5EF4-FFF2-40B4-BE49-F238E27FC236}">
-                <a16:creationId xmlns:a16="http://schemas.microsoft.com/office/drawing/2014/main" id="{3D6B2A99-2F87-D653-D7B8-015E9C97A61B}"/>
-              </a:ext>
-            </a:extLst>
-          </p:cNvPr>
-          <p:cNvSpPr>
-            <a:spLocks noGrp="1"/>
-          </p:cNvSpPr>
-          <p:nvPr>
-            <p:ph type="body" sz="quarter" idx="3"/>
-          </p:nvPr>
-        </p:nvSpPr>
-        <p:spPr>
-          <a:xfrm>
-            <a:off x="6070599" y="256381"/>
-            <a:ext cx="5183188" cy="823912"/>
-          </a:xfrm>
-        </p:spPr>
-        <p:txBody>
-          <a:bodyPr/>
-          <a:lstStyle/>
-          <a:p>
+              <a:t>مثال:</a:t>
+            </a:r>
+          </a:p>
+          <a:p>
+            <a:pPr marL="0" indent="0" algn="l" rtl="0" fontAlgn="base">
+              <a:buNone/>
+            </a:pPr>
             <a:r>
               <a:rPr lang="en-US" dirty="0"/>
-              <a:t>authorization</a:t>
-            </a:r>
-          </a:p>
-        </p:txBody>
-      </p:sp>
-      <p:sp>
-        <p:nvSpPr>
-          <p:cNvPr id="7" name="Content Placeholder 6">
-            <a:extLst>
-              <a:ext uri="{FF2B5EF4-FFF2-40B4-BE49-F238E27FC236}">
-                <a16:creationId xmlns:a16="http://schemas.microsoft.com/office/drawing/2014/main" id="{1531BFE0-A5AF-C638-E4EA-90AAFB8A1AAE}"/>
-              </a:ext>
-            </a:extLst>
-          </p:cNvPr>
-          <p:cNvSpPr>
-            <a:spLocks noGrp="1"/>
-          </p:cNvSpPr>
-          <p:nvPr>
-            <p:ph sz="quarter" idx="4"/>
-          </p:nvPr>
-        </p:nvSpPr>
-        <p:spPr>
-          <a:xfrm>
-            <a:off x="6172200" y="1080294"/>
-            <a:ext cx="5183188" cy="5109370"/>
-          </a:xfrm>
-        </p:spPr>
-        <p:txBody>
-          <a:bodyPr>
-            <a:normAutofit fontScale="85000" lnSpcReduction="20000"/>
-          </a:bodyPr>
-          <a:lstStyle/>
-          <a:p>
-            <a:pPr algn="r" rtl="1"/>
-            <a:r>
-              <a:rPr lang="ar-EG" dirty="0" err="1"/>
-              <a:t>بإختصار</a:t>
-            </a:r>
-            <a:r>
-              <a:rPr lang="ar-EG" dirty="0"/>
-              <a:t> فيه أكني بقول للمستخدم ايه هي الصلاحيات اللي عندك في السيستم دا يعني ليك مثلا تدخل على صفحه </a:t>
-            </a:r>
-            <a:r>
-              <a:rPr lang="ar-EG" dirty="0" err="1"/>
-              <a:t>الفلانيه</a:t>
-            </a:r>
-            <a:r>
-              <a:rPr lang="ar-EG" dirty="0"/>
-              <a:t> ولا لا وهكذا</a:t>
-            </a:r>
-          </a:p>
-          <a:p>
-            <a:pPr algn="r" rtl="1"/>
-            <a:r>
-              <a:rPr lang="ar-EG" dirty="0"/>
-              <a:t>في </a:t>
-            </a:r>
-            <a:r>
-              <a:rPr lang="ar-EG" dirty="0" err="1"/>
-              <a:t>العاده</a:t>
-            </a:r>
-            <a:r>
-              <a:rPr lang="ar-EG" dirty="0"/>
-              <a:t> </a:t>
-            </a:r>
-            <a:r>
-              <a:rPr lang="ar-EG" dirty="0" err="1"/>
-              <a:t>بتحصل</a:t>
-            </a:r>
-            <a:r>
-              <a:rPr lang="ar-EG" dirty="0"/>
-              <a:t> بعد عملية </a:t>
-            </a:r>
-            <a:r>
-              <a:rPr lang="en-US" sz="1800" dirty="0"/>
-              <a:t>authentication</a:t>
+              <a:t>SELECT columns</a:t>
+            </a:r>
+          </a:p>
+          <a:p>
+            <a:pPr marL="0" indent="0" algn="l" rtl="0" fontAlgn="base">
+              <a:buNone/>
+            </a:pPr>
+            <a:r>
+              <a:rPr lang="en-US" dirty="0"/>
+              <a:t>FROM table AS alias1</a:t>
             </a:r>
             <a:endParaRPr lang="ar-EG" dirty="0"/>
           </a:p>
           <a:p>
-            <a:pPr algn="r" rtl="1"/>
-            <a:r>
-              <a:rPr lang="ar-EG" dirty="0"/>
-              <a:t>هنا في </a:t>
-            </a:r>
-            <a:r>
-              <a:rPr lang="ar-EG" dirty="0" err="1"/>
-              <a:t>العاده</a:t>
-            </a:r>
-            <a:r>
-              <a:rPr lang="ar-EG" dirty="0"/>
-              <a:t> </a:t>
-            </a:r>
-            <a:r>
-              <a:rPr lang="ar-EG" dirty="0" err="1"/>
-              <a:t>بحتاج</a:t>
-            </a:r>
-            <a:r>
-              <a:rPr lang="ar-EG" dirty="0"/>
-              <a:t> </a:t>
-            </a:r>
-            <a:r>
-              <a:rPr lang="ar-EG" dirty="0" err="1"/>
-              <a:t>الإمتيازات</a:t>
-            </a:r>
-            <a:r>
-              <a:rPr lang="ar-EG" dirty="0"/>
-              <a:t> او الحاجات اللي ممكن المستخدم يوصل ليها</a:t>
-            </a:r>
-          </a:p>
-          <a:p>
-            <a:pPr algn="r" rtl="1"/>
-            <a:r>
-              <a:rPr lang="ar-EG" dirty="0" err="1"/>
-              <a:t>مقدرش</a:t>
-            </a:r>
-            <a:r>
-              <a:rPr lang="ar-EG" dirty="0"/>
-              <a:t> اغير في الصلاحيات </a:t>
-            </a:r>
-            <a:r>
-              <a:rPr lang="ar-EG" dirty="0" err="1"/>
-              <a:t>بتاعتي</a:t>
-            </a:r>
-            <a:r>
-              <a:rPr lang="ar-EG" dirty="0"/>
-              <a:t> كيوزر لازم صاحب النظام هو اللي يحدد الصلاحيات </a:t>
-            </a:r>
-            <a:r>
-              <a:rPr lang="ar-EG" dirty="0" err="1"/>
-              <a:t>بتاعتي</a:t>
-            </a:r>
-            <a:r>
-              <a:rPr lang="ar-EG" dirty="0"/>
-              <a:t> أو اخترق النظام واخد كل الصلاحيات ☠</a:t>
-            </a:r>
-          </a:p>
-          <a:p>
-            <a:pPr algn="r" rtl="1"/>
-            <a:r>
-              <a:rPr lang="ar-EG" dirty="0" err="1"/>
-              <a:t>معرفش</a:t>
-            </a:r>
-            <a:r>
-              <a:rPr lang="ar-EG" dirty="0"/>
-              <a:t> اشوف </a:t>
-            </a:r>
-            <a:r>
-              <a:rPr lang="ar-EG" dirty="0" err="1"/>
-              <a:t>العمليه</a:t>
-            </a:r>
-            <a:r>
-              <a:rPr lang="ar-EG" dirty="0"/>
-              <a:t> دي بحيث انها بتكون خاصه بصاحب النظام فقط</a:t>
-            </a:r>
-          </a:p>
-          <a:p>
-            <a:pPr algn="r" rtl="1"/>
-            <a:r>
-              <a:rPr lang="ar-EG" dirty="0" err="1"/>
-              <a:t>نيجي</a:t>
-            </a:r>
-            <a:r>
-              <a:rPr lang="ar-EG" dirty="0"/>
-              <a:t> للمثال بقاا:</a:t>
-            </a:r>
-            <a:br>
-              <a:rPr lang="ar-EG" dirty="0"/>
-            </a:br>
-            <a:r>
-              <a:rPr lang="ar-EG" dirty="0"/>
-              <a:t>بعد </a:t>
-            </a:r>
-            <a:r>
-              <a:rPr lang="ar-EG" dirty="0" err="1"/>
-              <a:t>مالموظفين</a:t>
-            </a:r>
-            <a:r>
-              <a:rPr lang="ar-EG" dirty="0"/>
-              <a:t> اللي فاتو دول عملوا عملية </a:t>
-            </a:r>
-            <a:r>
-              <a:rPr lang="ar-EG" dirty="0" err="1"/>
-              <a:t>المصادقه</a:t>
-            </a:r>
-            <a:r>
-              <a:rPr lang="ar-EG" dirty="0"/>
-              <a:t> </a:t>
-            </a:r>
-            <a:r>
-              <a:rPr lang="ar-EG" dirty="0" err="1"/>
-              <a:t>بيحدد</a:t>
-            </a:r>
-            <a:r>
-              <a:rPr lang="ar-EG" dirty="0"/>
-              <a:t> النظام ايه المعلومات اللي المفروض تظهر لكل موظف واي موظف ممكن يعدل عليها ومين لا وهكذا</a:t>
-            </a:r>
+            <a:pPr marL="0" indent="0" algn="l" rtl="0" fontAlgn="base">
+              <a:buNone/>
+            </a:pPr>
+            <a:r>
+              <a:rPr lang="en-US" dirty="0"/>
+              <a:t>JOIN table AS alias2 ON alias1.column = alias2.column;</a:t>
+            </a:r>
+          </a:p>
+          <a:p>
+            <a:pPr marL="0" indent="0" algn="r" rtl="1">
+              <a:buNone/>
+            </a:pPr>
+            <a:endParaRPr lang="en-US" dirty="0"/>
           </a:p>
         </p:txBody>
       </p:sp>
@@ -3999,13 +3642,13 @@
   <p:clrMapOvr>
     <a:masterClrMapping/>
   </p:clrMapOvr>
-  <mc:AlternateContent xmlns:mc="http://schemas.openxmlformats.org/markup-compatibility/2006">
-    <mc:Choice xmlns:p14="http://schemas.microsoft.com/office/powerpoint/2010/main" Requires="p14">
+  <mc:AlternateContent xmlns:mc="http://schemas.openxmlformats.org/markup-compatibility/2006" xmlns:p14="http://schemas.microsoft.com/office/powerpoint/2010/main">
+    <mc:Choice Requires="p14">
       <p:transition spd="slow" p14:dur="1500">
         <p:random/>
       </p:transition>
     </mc:Choice>
-    <mc:Fallback>
+    <mc:Fallback xmlns="">
       <p:transition spd="slow">
         <p:random/>
       </p:transition>
@@ -4069,13 +3712,13 @@
   <p:clrMapOvr>
     <a:masterClrMapping/>
   </p:clrMapOvr>
-  <mc:AlternateContent xmlns:mc="http://schemas.openxmlformats.org/markup-compatibility/2006">
-    <mc:Choice xmlns:p14="http://schemas.microsoft.com/office/powerpoint/2010/main" Requires="p14">
+  <mc:AlternateContent xmlns:mc="http://schemas.openxmlformats.org/markup-compatibility/2006" xmlns:p14="http://schemas.microsoft.com/office/powerpoint/2010/main">
+    <mc:Choice Requires="p14">
       <p:transition spd="slow" p14:dur="1500">
         <p:random/>
       </p:transition>
     </mc:Choice>
-    <mc:Fallback>
+    <mc:Fallback xmlns="">
       <p:transition spd="slow">
         <p:random/>
       </p:transition>
